--- a/templates/presentation/convolve.pptx
+++ b/templates/presentation/convolve.pptx
@@ -367,7 +367,7 @@
           <a:p>
             <a:fld id="{4BCEB625-08E6-4CEC-A9DD-B60BA2231FAD}" type="slidenum">
               <a:rPr lang="LID4096" smtClean="0"/>
-              <a:t>‹#›</a:t>
+              <a:t>‹nr.›</a:t>
             </a:fld>
             <a:endParaRPr lang="LID4096"/>
           </a:p>
@@ -727,7 +727,7 @@
           <a:p>
             <a:fld id="{DEE17329-4100-4844-AC98-AD783D2F47EC}" type="slidenum">
               <a:rPr lang="LID4096" smtClean="0"/>
-              <a:t>‹#›</a:t>
+              <a:t>‹nr.›</a:t>
             </a:fld>
             <a:endParaRPr lang="LID4096"/>
           </a:p>
@@ -882,6 +882,411 @@
 </file>
 
 <file path=ppt/slideLayouts/slideLayout2.xml><?xml version="1.0" encoding="utf-8"?>
+<p:sldLayout xmlns:a="http://schemas.openxmlformats.org/drawingml/2006/main" xmlns:r="http://schemas.openxmlformats.org/officeDocument/2006/relationships" xmlns:p="http://schemas.openxmlformats.org/presentationml/2006/main" type="title" preserve="1">
+  <p:cSld name="Section Header">
+    <p:spTree>
+      <p:nvGrpSpPr>
+        <p:cNvPr id="1" name=""/>
+        <p:cNvGrpSpPr/>
+        <p:nvPr/>
+      </p:nvGrpSpPr>
+      <p:grpSpPr>
+        <a:xfrm>
+          <a:off x="0" y="0"/>
+          <a:ext cx="0" cy="0"/>
+          <a:chOff x="0" y="0"/>
+          <a:chExt cx="0" cy="0"/>
+        </a:xfrm>
+      </p:grpSpPr>
+      <p:sp>
+        <p:nvSpPr>
+          <p:cNvPr id="11" name="Rectangle: Rounded Corners 10">
+            <a:extLst>
+              <a:ext uri="{FF2B5EF4-FFF2-40B4-BE49-F238E27FC236}">
+                <a16:creationId xmlns:a16="http://schemas.microsoft.com/office/drawing/2014/main" id="{F6A1CA5B-05B4-4F40-B2F2-218DA57E8E35}"/>
+              </a:ext>
+            </a:extLst>
+          </p:cNvPr>
+          <p:cNvSpPr/>
+          <p:nvPr userDrawn="1"/>
+        </p:nvSpPr>
+        <p:spPr>
+          <a:xfrm>
+            <a:off x="0" y="2942705"/>
+            <a:ext cx="12192000" cy="2395285"/>
+          </a:xfrm>
+          <a:prstGeom prst="roundRect">
+            <a:avLst>
+              <a:gd name="adj" fmla="val 0"/>
+            </a:avLst>
+          </a:prstGeom>
+          <a:solidFill>
+            <a:srgbClr val="D0CF3F"/>
+          </a:solidFill>
+          <a:ln>
+            <a:noFill/>
+          </a:ln>
+        </p:spPr>
+        <p:style>
+          <a:lnRef idx="2">
+            <a:schemeClr val="accent1">
+              <a:shade val="50000"/>
+            </a:schemeClr>
+          </a:lnRef>
+          <a:fillRef idx="1">
+            <a:schemeClr val="accent1"/>
+          </a:fillRef>
+          <a:effectRef idx="0">
+            <a:schemeClr val="accent1"/>
+          </a:effectRef>
+          <a:fontRef idx="minor">
+            <a:schemeClr val="lt1"/>
+          </a:fontRef>
+        </p:style>
+        <p:txBody>
+          <a:bodyPr rtlCol="0" anchor="ctr"/>
+          <a:lstStyle/>
+          <a:p>
+            <a:pPr algn="ctr"/>
+            <a:endParaRPr lang="LID4096"/>
+          </a:p>
+        </p:txBody>
+      </p:sp>
+      <p:sp>
+        <p:nvSpPr>
+          <p:cNvPr id="2" name="Title 1">
+            <a:extLst>
+              <a:ext uri="{FF2B5EF4-FFF2-40B4-BE49-F238E27FC236}">
+                <a16:creationId xmlns:a16="http://schemas.microsoft.com/office/drawing/2014/main" id="{90015CF7-1CE1-46CB-8816-002667A4DB3A}"/>
+              </a:ext>
+            </a:extLst>
+          </p:cNvPr>
+          <p:cNvSpPr>
+            <a:spLocks noGrp="1"/>
+          </p:cNvSpPr>
+          <p:nvPr>
+            <p:ph type="ctrTitle" hasCustomPrompt="1"/>
+          </p:nvPr>
+        </p:nvSpPr>
+        <p:spPr>
+          <a:xfrm>
+            <a:off x="838200" y="3160914"/>
+            <a:ext cx="10515600" cy="951807"/>
+          </a:xfrm>
+        </p:spPr>
+        <p:txBody>
+          <a:bodyPr anchor="b"/>
+          <a:lstStyle>
+            <a:lvl1pPr algn="l">
+              <a:defRPr sz="6000">
+                <a:solidFill>
+                  <a:schemeClr val="bg1"/>
+                </a:solidFill>
+              </a:defRPr>
+            </a:lvl1pPr>
+          </a:lstStyle>
+          <a:p>
+            <a:r>
+              <a:rPr lang="en-US" dirty="0"/>
+              <a:t>Presentation title	</a:t>
+            </a:r>
+            <a:endParaRPr lang="LID4096" dirty="0"/>
+          </a:p>
+        </p:txBody>
+      </p:sp>
+      <p:sp>
+        <p:nvSpPr>
+          <p:cNvPr id="3" name="Subtitle 2">
+            <a:extLst>
+              <a:ext uri="{FF2B5EF4-FFF2-40B4-BE49-F238E27FC236}">
+                <a16:creationId xmlns:a16="http://schemas.microsoft.com/office/drawing/2014/main" id="{CEA72531-6B3D-446F-A2FA-F844CE1CA012}"/>
+              </a:ext>
+            </a:extLst>
+          </p:cNvPr>
+          <p:cNvSpPr>
+            <a:spLocks noGrp="1"/>
+          </p:cNvSpPr>
+          <p:nvPr>
+            <p:ph type="subTitle" idx="1" hasCustomPrompt="1"/>
+          </p:nvPr>
+        </p:nvSpPr>
+        <p:spPr>
+          <a:xfrm>
+            <a:off x="838200" y="4137024"/>
+            <a:ext cx="10515600" cy="1200966"/>
+          </a:xfrm>
+        </p:spPr>
+        <p:txBody>
+          <a:bodyPr/>
+          <a:lstStyle>
+            <a:lvl1pPr marL="0" indent="0" algn="l">
+              <a:spcBef>
+                <a:spcPts val="600"/>
+              </a:spcBef>
+              <a:buNone/>
+              <a:defRPr sz="2400">
+                <a:solidFill>
+                  <a:schemeClr val="bg1"/>
+                </a:solidFill>
+              </a:defRPr>
+            </a:lvl1pPr>
+            <a:lvl2pPr marL="457200" indent="0" algn="ctr">
+              <a:buNone/>
+              <a:defRPr sz="2000"/>
+            </a:lvl2pPr>
+            <a:lvl3pPr marL="914400" indent="0" algn="ctr">
+              <a:buNone/>
+              <a:defRPr sz="1800"/>
+            </a:lvl3pPr>
+            <a:lvl4pPr marL="1371600" indent="0" algn="ctr">
+              <a:buNone/>
+              <a:defRPr sz="1600"/>
+            </a:lvl4pPr>
+            <a:lvl5pPr marL="1828800" indent="0" algn="ctr">
+              <a:buNone/>
+              <a:defRPr sz="1600"/>
+            </a:lvl5pPr>
+            <a:lvl6pPr marL="2286000" indent="0" algn="ctr">
+              <a:buNone/>
+              <a:defRPr sz="1600"/>
+            </a:lvl6pPr>
+            <a:lvl7pPr marL="2743200" indent="0" algn="ctr">
+              <a:buNone/>
+              <a:defRPr sz="1600"/>
+            </a:lvl7pPr>
+            <a:lvl8pPr marL="3200400" indent="0" algn="ctr">
+              <a:buNone/>
+              <a:defRPr sz="1600"/>
+            </a:lvl8pPr>
+            <a:lvl9pPr marL="3657600" indent="0" algn="ctr">
+              <a:buNone/>
+              <a:defRPr sz="1600"/>
+            </a:lvl9pPr>
+          </a:lstStyle>
+          <a:p>
+            <a:r>
+              <a:rPr lang="en-US" dirty="0"/>
+              <a:t>Presentation occasion (i.e. CONVOLVE kick-off meeting)</a:t>
+            </a:r>
+          </a:p>
+          <a:p>
+            <a:r>
+              <a:rPr lang="en-US" dirty="0"/>
+              <a:t>Presentation author(s) </a:t>
+            </a:r>
+          </a:p>
+          <a:p>
+            <a:r>
+              <a:rPr lang="en-US" dirty="0"/>
+              <a:t>Date</a:t>
+            </a:r>
+            <a:endParaRPr lang="LID4096" dirty="0"/>
+          </a:p>
+        </p:txBody>
+      </p:sp>
+      <p:sp>
+        <p:nvSpPr>
+          <p:cNvPr id="5" name="Footer Placeholder 4">
+            <a:extLst>
+              <a:ext uri="{FF2B5EF4-FFF2-40B4-BE49-F238E27FC236}">
+                <a16:creationId xmlns:a16="http://schemas.microsoft.com/office/drawing/2014/main" id="{69A3023F-3B18-4637-8D4C-07AE971E937D}"/>
+              </a:ext>
+            </a:extLst>
+          </p:cNvPr>
+          <p:cNvSpPr>
+            <a:spLocks noGrp="1"/>
+          </p:cNvSpPr>
+          <p:nvPr>
+            <p:ph type="ftr" sz="quarter" idx="11"/>
+          </p:nvPr>
+        </p:nvSpPr>
+        <p:spPr/>
+        <p:txBody>
+          <a:bodyPr/>
+          <a:lstStyle/>
+          <a:p>
+            <a:endParaRPr lang="LID4096"/>
+          </a:p>
+        </p:txBody>
+      </p:sp>
+      <p:sp>
+        <p:nvSpPr>
+          <p:cNvPr id="6" name="Slide Number Placeholder 5">
+            <a:extLst>
+              <a:ext uri="{FF2B5EF4-FFF2-40B4-BE49-F238E27FC236}">
+                <a16:creationId xmlns:a16="http://schemas.microsoft.com/office/drawing/2014/main" id="{12DEE720-56D6-4A89-B10E-CE8EB0CA88EA}"/>
+              </a:ext>
+            </a:extLst>
+          </p:cNvPr>
+          <p:cNvSpPr>
+            <a:spLocks noGrp="1"/>
+          </p:cNvSpPr>
+          <p:nvPr>
+            <p:ph type="sldNum" sz="quarter" idx="12"/>
+          </p:nvPr>
+        </p:nvSpPr>
+        <p:spPr/>
+        <p:txBody>
+          <a:bodyPr/>
+          <a:lstStyle/>
+          <a:p>
+            <a:fld id="{DEE17329-4100-4844-AC98-AD783D2F47EC}" type="slidenum">
+              <a:rPr lang="LID4096" smtClean="0"/>
+              <a:t>‹nr.›</a:t>
+            </a:fld>
+            <a:endParaRPr lang="LID4096"/>
+          </a:p>
+        </p:txBody>
+      </p:sp>
+      <p:pic>
+        <p:nvPicPr>
+          <p:cNvPr id="8" name="Picture 7" descr="Icon&#10;&#10;Description automatically generated">
+            <a:extLst>
+              <a:ext uri="{FF2B5EF4-FFF2-40B4-BE49-F238E27FC236}">
+                <a16:creationId xmlns:a16="http://schemas.microsoft.com/office/drawing/2014/main" id="{00A0D970-DB90-43C3-A7D2-A33BA42DEF12}"/>
+              </a:ext>
+            </a:extLst>
+          </p:cNvPr>
+          <p:cNvPicPr>
+            <a:picLocks noChangeAspect="1"/>
+          </p:cNvPicPr>
+          <p:nvPr userDrawn="1"/>
+        </p:nvPicPr>
+        <p:blipFill>
+          <a:blip r:embed="rId2">
+            <a:extLst>
+              <a:ext uri="{28A0092B-C50C-407E-A947-70E740481C1C}">
+                <a14:useLocalDpi xmlns:a14="http://schemas.microsoft.com/office/drawing/2010/main" val="0"/>
+              </a:ext>
+            </a:extLst>
+          </a:blip>
+          <a:stretch>
+            <a:fillRect/>
+          </a:stretch>
+        </p:blipFill>
+        <p:spPr>
+          <a:xfrm>
+            <a:off x="4635731" y="88551"/>
+            <a:ext cx="2920537" cy="2920537"/>
+          </a:xfrm>
+          <a:prstGeom prst="rect">
+            <a:avLst/>
+          </a:prstGeom>
+        </p:spPr>
+      </p:pic>
+      <p:sp>
+        <p:nvSpPr>
+          <p:cNvPr id="9" name="Rectangle: Rounded Corners 8">
+            <a:extLst>
+              <a:ext uri="{FF2B5EF4-FFF2-40B4-BE49-F238E27FC236}">
+                <a16:creationId xmlns:a16="http://schemas.microsoft.com/office/drawing/2014/main" id="{3CB1AB2C-A5C0-4974-84CB-44EF5FE391A2}"/>
+              </a:ext>
+            </a:extLst>
+          </p:cNvPr>
+          <p:cNvSpPr/>
+          <p:nvPr userDrawn="1"/>
+        </p:nvSpPr>
+        <p:spPr>
+          <a:xfrm>
+            <a:off x="0" y="0"/>
+            <a:ext cx="12192000" cy="6858000"/>
+          </a:xfrm>
+          <a:prstGeom prst="roundRect">
+            <a:avLst>
+              <a:gd name="adj" fmla="val 1091"/>
+            </a:avLst>
+          </a:prstGeom>
+          <a:noFill/>
+          <a:ln w="57150">
+            <a:solidFill>
+              <a:srgbClr val="D0CF3F"/>
+            </a:solidFill>
+          </a:ln>
+        </p:spPr>
+        <p:style>
+          <a:lnRef idx="2">
+            <a:schemeClr val="accent1">
+              <a:shade val="50000"/>
+            </a:schemeClr>
+          </a:lnRef>
+          <a:fillRef idx="1">
+            <a:schemeClr val="accent1"/>
+          </a:fillRef>
+          <a:effectRef idx="0">
+            <a:schemeClr val="accent1"/>
+          </a:effectRef>
+          <a:fontRef idx="minor">
+            <a:schemeClr val="lt1"/>
+          </a:fontRef>
+        </p:style>
+        <p:txBody>
+          <a:bodyPr rtlCol="0" anchor="ctr"/>
+          <a:lstStyle/>
+          <a:p>
+            <a:pPr algn="ctr"/>
+            <a:endParaRPr lang="LID4096"/>
+          </a:p>
+        </p:txBody>
+      </p:sp>
+      <p:sp>
+        <p:nvSpPr>
+          <p:cNvPr id="10" name="TextBox 9">
+            <a:extLst>
+              <a:ext uri="{FF2B5EF4-FFF2-40B4-BE49-F238E27FC236}">
+                <a16:creationId xmlns:a16="http://schemas.microsoft.com/office/drawing/2014/main" id="{7D29BE44-2167-4A37-A516-34310866851A}"/>
+              </a:ext>
+            </a:extLst>
+          </p:cNvPr>
+          <p:cNvSpPr txBox="1"/>
+          <p:nvPr userDrawn="1"/>
+        </p:nvSpPr>
+        <p:spPr>
+          <a:xfrm>
+            <a:off x="838199" y="5474515"/>
+            <a:ext cx="10515600" cy="830997"/>
+          </a:xfrm>
+          <a:prstGeom prst="rect">
+            <a:avLst/>
+          </a:prstGeom>
+          <a:noFill/>
+        </p:spPr>
+        <p:txBody>
+          <a:bodyPr wrap="square" rtlCol="0">
+            <a:spAutoFit/>
+          </a:bodyPr>
+          <a:lstStyle/>
+          <a:p>
+            <a:r>
+              <a:rPr lang="en-US" dirty="0"/>
+              <a:t>CONVOLVE: Seamless design of Smart Edge Processors</a:t>
+            </a:r>
+          </a:p>
+          <a:p>
+            <a:endParaRPr lang="en-US" dirty="0"/>
+          </a:p>
+          <a:p>
+            <a:r>
+              <a:rPr lang="en-US" sz="1200" dirty="0"/>
+              <a:t>Research funded by European Commission under the grant agreement number 101070374</a:t>
+            </a:r>
+            <a:endParaRPr lang="LID4096" sz="1200" dirty="0"/>
+          </a:p>
+        </p:txBody>
+      </p:sp>
+    </p:spTree>
+    <p:extLst>
+      <p:ext uri="{BB962C8B-B14F-4D97-AF65-F5344CB8AC3E}">
+        <p14:creationId xmlns:p14="http://schemas.microsoft.com/office/powerpoint/2010/main" val="1632674498"/>
+      </p:ext>
+    </p:extLst>
+  </p:cSld>
+  <p:clrMapOvr>
+    <a:masterClrMapping/>
+  </p:clrMapOvr>
+</p:sldLayout>
+</file>
+
+<file path=ppt/slideLayouts/slideLayout3.xml><?xml version="1.0" encoding="utf-8"?>
 <p:sldLayout xmlns:a="http://schemas.openxmlformats.org/drawingml/2006/main" xmlns:r="http://schemas.openxmlformats.org/officeDocument/2006/relationships" xmlns:p="http://schemas.openxmlformats.org/presentationml/2006/main" type="obj" preserve="1">
   <p:cSld name="Title and Content">
     <p:spTree>
@@ -1057,7 +1462,7 @@
           <a:p>
             <a:fld id="{DEE17329-4100-4844-AC98-AD783D2F47EC}" type="slidenum">
               <a:rPr lang="LID4096" smtClean="0"/>
-              <a:t>‹#›</a:t>
+              <a:t>‹nr.›</a:t>
             </a:fld>
             <a:endParaRPr lang="LID4096"/>
           </a:p>
@@ -1113,7 +1518,7 @@
 </p:sldLayout>
 </file>
 
-<file path=ppt/slideLayouts/slideLayout3.xml><?xml version="1.0" encoding="utf-8"?>
+<file path=ppt/slideLayouts/slideLayout4.xml><?xml version="1.0" encoding="utf-8"?>
 <p:sldLayout xmlns:a="http://schemas.openxmlformats.org/drawingml/2006/main" xmlns:r="http://schemas.openxmlformats.org/officeDocument/2006/relationships" xmlns:p="http://schemas.openxmlformats.org/presentationml/2006/main" type="twoObj" preserve="1">
   <p:cSld name="Two Content">
     <p:spTree>
@@ -1383,7 +1788,7 @@
           <a:p>
             <a:fld id="{DEE17329-4100-4844-AC98-AD783D2F47EC}" type="slidenum">
               <a:rPr lang="LID4096" smtClean="0"/>
-              <a:t>‹#›</a:t>
+              <a:t>‹nr.›</a:t>
             </a:fld>
             <a:endParaRPr lang="LID4096"/>
           </a:p>
@@ -1438,6 +1843,716 @@
 </p:sldLayout>
 </file>
 
+<file path=ppt/slideLayouts/slideLayout5.xml><?xml version="1.0" encoding="utf-8"?>
+<p:sldLayout xmlns:a="http://schemas.openxmlformats.org/drawingml/2006/main" xmlns:r="http://schemas.openxmlformats.org/officeDocument/2006/relationships" xmlns:p="http://schemas.openxmlformats.org/presentationml/2006/main" type="twoObj" preserve="1">
+  <p:cSld name="Comparison">
+    <p:spTree>
+      <p:nvGrpSpPr>
+        <p:cNvPr id="1" name=""/>
+        <p:cNvGrpSpPr/>
+        <p:nvPr/>
+      </p:nvGrpSpPr>
+      <p:grpSpPr>
+        <a:xfrm>
+          <a:off x="0" y="0"/>
+          <a:ext cx="0" cy="0"/>
+          <a:chOff x="0" y="0"/>
+          <a:chExt cx="0" cy="0"/>
+        </a:xfrm>
+      </p:grpSpPr>
+      <p:sp>
+        <p:nvSpPr>
+          <p:cNvPr id="2" name="Title 1">
+            <a:extLst>
+              <a:ext uri="{FF2B5EF4-FFF2-40B4-BE49-F238E27FC236}">
+                <a16:creationId xmlns:a16="http://schemas.microsoft.com/office/drawing/2014/main" id="{418B4536-C4AE-4DE2-AB64-44B0CE47D7D4}"/>
+              </a:ext>
+            </a:extLst>
+          </p:cNvPr>
+          <p:cNvSpPr>
+            <a:spLocks noGrp="1"/>
+          </p:cNvSpPr>
+          <p:nvPr>
+            <p:ph type="title"/>
+          </p:nvPr>
+        </p:nvSpPr>
+        <p:spPr>
+          <a:xfrm>
+            <a:off x="838200" y="365126"/>
+            <a:ext cx="10515600" cy="557588"/>
+          </a:xfrm>
+        </p:spPr>
+        <p:txBody>
+          <a:bodyPr/>
+          <a:lstStyle>
+            <a:lvl1pPr>
+              <a:defRPr>
+                <a:solidFill>
+                  <a:srgbClr val="D0CF3F"/>
+                </a:solidFill>
+              </a:defRPr>
+            </a:lvl1pPr>
+          </a:lstStyle>
+          <a:p>
+            <a:r>
+              <a:rPr lang="en-US" dirty="0"/>
+              <a:t>Click to edit Master title style</a:t>
+            </a:r>
+            <a:endParaRPr lang="LID4096" dirty="0"/>
+          </a:p>
+        </p:txBody>
+      </p:sp>
+      <p:sp>
+        <p:nvSpPr>
+          <p:cNvPr id="3" name="Content Placeholder 2">
+            <a:extLst>
+              <a:ext uri="{FF2B5EF4-FFF2-40B4-BE49-F238E27FC236}">
+                <a16:creationId xmlns:a16="http://schemas.microsoft.com/office/drawing/2014/main" id="{7A869A27-564B-45CE-9C92-A577E3EAF33F}"/>
+              </a:ext>
+            </a:extLst>
+          </p:cNvPr>
+          <p:cNvSpPr>
+            <a:spLocks noGrp="1"/>
+          </p:cNvSpPr>
+          <p:nvPr>
+            <p:ph sz="half" idx="1"/>
+          </p:nvPr>
+        </p:nvSpPr>
+        <p:spPr>
+          <a:xfrm>
+            <a:off x="838200" y="1311390"/>
+            <a:ext cx="5181600" cy="4865573"/>
+          </a:xfrm>
+        </p:spPr>
+        <p:txBody>
+          <a:bodyPr/>
+          <a:lstStyle>
+            <a:lvl1pPr>
+              <a:buClr>
+                <a:srgbClr val="D0CF3F"/>
+              </a:buClr>
+              <a:defRPr/>
+            </a:lvl1pPr>
+            <a:lvl2pPr>
+              <a:buClr>
+                <a:srgbClr val="D0CF3F"/>
+              </a:buClr>
+              <a:defRPr/>
+            </a:lvl2pPr>
+            <a:lvl3pPr>
+              <a:buClr>
+                <a:srgbClr val="D0CF3F"/>
+              </a:buClr>
+              <a:defRPr/>
+            </a:lvl3pPr>
+            <a:lvl4pPr>
+              <a:buClr>
+                <a:srgbClr val="D0CF3F"/>
+              </a:buClr>
+              <a:defRPr/>
+            </a:lvl4pPr>
+            <a:lvl5pPr>
+              <a:buClr>
+                <a:srgbClr val="D0CF3F"/>
+              </a:buClr>
+              <a:defRPr/>
+            </a:lvl5pPr>
+          </a:lstStyle>
+          <a:p>
+            <a:pPr lvl="0"/>
+            <a:r>
+              <a:rPr lang="en-US" dirty="0"/>
+              <a:t>Click to edit Master text styles</a:t>
+            </a:r>
+          </a:p>
+          <a:p>
+            <a:pPr lvl="1"/>
+            <a:r>
+              <a:rPr lang="en-US" dirty="0"/>
+              <a:t>Second level</a:t>
+            </a:r>
+          </a:p>
+          <a:p>
+            <a:pPr lvl="2"/>
+            <a:r>
+              <a:rPr lang="en-US" dirty="0"/>
+              <a:t>Third level</a:t>
+            </a:r>
+          </a:p>
+          <a:p>
+            <a:pPr lvl="3"/>
+            <a:r>
+              <a:rPr lang="en-US" dirty="0"/>
+              <a:t>Fourth level</a:t>
+            </a:r>
+          </a:p>
+          <a:p>
+            <a:pPr lvl="4"/>
+            <a:r>
+              <a:rPr lang="en-US" dirty="0"/>
+              <a:t>Fifth level</a:t>
+            </a:r>
+            <a:endParaRPr lang="LID4096" dirty="0"/>
+          </a:p>
+        </p:txBody>
+      </p:sp>
+      <p:sp>
+        <p:nvSpPr>
+          <p:cNvPr id="4" name="Content Placeholder 3">
+            <a:extLst>
+              <a:ext uri="{FF2B5EF4-FFF2-40B4-BE49-F238E27FC236}">
+                <a16:creationId xmlns:a16="http://schemas.microsoft.com/office/drawing/2014/main" id="{23FB230F-3A97-4405-9219-CB14C3304BBA}"/>
+              </a:ext>
+            </a:extLst>
+          </p:cNvPr>
+          <p:cNvSpPr>
+            <a:spLocks noGrp="1"/>
+          </p:cNvSpPr>
+          <p:nvPr>
+            <p:ph sz="half" idx="2"/>
+          </p:nvPr>
+        </p:nvSpPr>
+        <p:spPr>
+          <a:xfrm>
+            <a:off x="6172200" y="1311390"/>
+            <a:ext cx="5181600" cy="4865573"/>
+          </a:xfrm>
+        </p:spPr>
+        <p:txBody>
+          <a:bodyPr/>
+          <a:lstStyle>
+            <a:lvl1pPr>
+              <a:buClr>
+                <a:srgbClr val="D0CF3F"/>
+              </a:buClr>
+              <a:defRPr/>
+            </a:lvl1pPr>
+            <a:lvl2pPr>
+              <a:buClr>
+                <a:srgbClr val="D0CF3F"/>
+              </a:buClr>
+              <a:defRPr/>
+            </a:lvl2pPr>
+            <a:lvl3pPr>
+              <a:buClr>
+                <a:srgbClr val="D0CF3F"/>
+              </a:buClr>
+              <a:defRPr/>
+            </a:lvl3pPr>
+            <a:lvl4pPr>
+              <a:buClr>
+                <a:srgbClr val="D0CF3F"/>
+              </a:buClr>
+              <a:defRPr/>
+            </a:lvl4pPr>
+            <a:lvl5pPr>
+              <a:buClr>
+                <a:srgbClr val="D0CF3F"/>
+              </a:buClr>
+              <a:defRPr/>
+            </a:lvl5pPr>
+          </a:lstStyle>
+          <a:p>
+            <a:pPr lvl="0"/>
+            <a:r>
+              <a:rPr lang="en-US" dirty="0"/>
+              <a:t>Click to edit Master text styles</a:t>
+            </a:r>
+          </a:p>
+          <a:p>
+            <a:pPr lvl="1"/>
+            <a:r>
+              <a:rPr lang="en-US" dirty="0"/>
+              <a:t>Second level</a:t>
+            </a:r>
+          </a:p>
+          <a:p>
+            <a:pPr lvl="2"/>
+            <a:r>
+              <a:rPr lang="en-US" dirty="0"/>
+              <a:t>Third level</a:t>
+            </a:r>
+          </a:p>
+          <a:p>
+            <a:pPr lvl="3"/>
+            <a:r>
+              <a:rPr lang="en-US" dirty="0"/>
+              <a:t>Fourth level</a:t>
+            </a:r>
+          </a:p>
+          <a:p>
+            <a:pPr lvl="4"/>
+            <a:r>
+              <a:rPr lang="en-US" dirty="0"/>
+              <a:t>Fifth level</a:t>
+            </a:r>
+            <a:endParaRPr lang="LID4096" dirty="0"/>
+          </a:p>
+        </p:txBody>
+      </p:sp>
+      <p:sp>
+        <p:nvSpPr>
+          <p:cNvPr id="7" name="Slide Number Placeholder 6">
+            <a:extLst>
+              <a:ext uri="{FF2B5EF4-FFF2-40B4-BE49-F238E27FC236}">
+                <a16:creationId xmlns:a16="http://schemas.microsoft.com/office/drawing/2014/main" id="{706835C5-E0E7-45E3-80E3-3EB5EE19A594}"/>
+              </a:ext>
+            </a:extLst>
+          </p:cNvPr>
+          <p:cNvSpPr>
+            <a:spLocks noGrp="1"/>
+          </p:cNvSpPr>
+          <p:nvPr>
+            <p:ph type="sldNum" sz="quarter" idx="12"/>
+          </p:nvPr>
+        </p:nvSpPr>
+        <p:spPr/>
+        <p:txBody>
+          <a:bodyPr/>
+          <a:lstStyle/>
+          <a:p>
+            <a:fld id="{DEE17329-4100-4844-AC98-AD783D2F47EC}" type="slidenum">
+              <a:rPr lang="LID4096" smtClean="0"/>
+              <a:t>‹nr.›</a:t>
+            </a:fld>
+            <a:endParaRPr lang="LID4096"/>
+          </a:p>
+        </p:txBody>
+      </p:sp>
+      <p:pic>
+        <p:nvPicPr>
+          <p:cNvPr id="8" name="Picture 7" descr="Icon&#10;&#10;Description automatically generated">
+            <a:extLst>
+              <a:ext uri="{FF2B5EF4-FFF2-40B4-BE49-F238E27FC236}">
+                <a16:creationId xmlns:a16="http://schemas.microsoft.com/office/drawing/2014/main" id="{7A518CBB-009A-4FC7-B5B7-1AC0AA1DF846}"/>
+              </a:ext>
+            </a:extLst>
+          </p:cNvPr>
+          <p:cNvPicPr>
+            <a:picLocks noChangeAspect="1"/>
+          </p:cNvPicPr>
+          <p:nvPr userDrawn="1"/>
+        </p:nvPicPr>
+        <p:blipFill>
+          <a:blip r:embed="rId2">
+            <a:extLst>
+              <a:ext uri="{28A0092B-C50C-407E-A947-70E740481C1C}">
+                <a14:useLocalDpi xmlns:a14="http://schemas.microsoft.com/office/drawing/2010/main" val="0"/>
+              </a:ext>
+            </a:extLst>
+          </a:blip>
+          <a:stretch>
+            <a:fillRect/>
+          </a:stretch>
+        </p:blipFill>
+        <p:spPr>
+          <a:xfrm>
+            <a:off x="10766367" y="136525"/>
+            <a:ext cx="1174865" cy="1174865"/>
+          </a:xfrm>
+          <a:prstGeom prst="rect">
+            <a:avLst/>
+          </a:prstGeom>
+        </p:spPr>
+      </p:pic>
+    </p:spTree>
+    <p:extLst>
+      <p:ext uri="{BB962C8B-B14F-4D97-AF65-F5344CB8AC3E}">
+        <p14:creationId xmlns:p14="http://schemas.microsoft.com/office/powerpoint/2010/main" val="2841719871"/>
+      </p:ext>
+    </p:extLst>
+  </p:cSld>
+  <p:clrMapOvr>
+    <a:masterClrMapping/>
+  </p:clrMapOvr>
+</p:sldLayout>
+</file>
+
+<file path=ppt/slideLayouts/slideLayout6.xml><?xml version="1.0" encoding="utf-8"?>
+<p:sldLayout xmlns:a="http://schemas.openxmlformats.org/drawingml/2006/main" xmlns:r="http://schemas.openxmlformats.org/officeDocument/2006/relationships" xmlns:p="http://schemas.openxmlformats.org/presentationml/2006/main" type="twoObj" preserve="1">
+  <p:cSld name="Content with Caption">
+    <p:spTree>
+      <p:nvGrpSpPr>
+        <p:cNvPr id="1" name=""/>
+        <p:cNvGrpSpPr/>
+        <p:nvPr/>
+      </p:nvGrpSpPr>
+      <p:grpSpPr>
+        <a:xfrm>
+          <a:off x="0" y="0"/>
+          <a:ext cx="0" cy="0"/>
+          <a:chOff x="0" y="0"/>
+          <a:chExt cx="0" cy="0"/>
+        </a:xfrm>
+      </p:grpSpPr>
+      <p:sp>
+        <p:nvSpPr>
+          <p:cNvPr id="2" name="Title 1">
+            <a:extLst>
+              <a:ext uri="{FF2B5EF4-FFF2-40B4-BE49-F238E27FC236}">
+                <a16:creationId xmlns:a16="http://schemas.microsoft.com/office/drawing/2014/main" id="{418B4536-C4AE-4DE2-AB64-44B0CE47D7D4}"/>
+              </a:ext>
+            </a:extLst>
+          </p:cNvPr>
+          <p:cNvSpPr>
+            <a:spLocks noGrp="1"/>
+          </p:cNvSpPr>
+          <p:nvPr>
+            <p:ph type="title"/>
+          </p:nvPr>
+        </p:nvSpPr>
+        <p:spPr>
+          <a:xfrm>
+            <a:off x="838200" y="365126"/>
+            <a:ext cx="10515600" cy="557588"/>
+          </a:xfrm>
+        </p:spPr>
+        <p:txBody>
+          <a:bodyPr/>
+          <a:lstStyle>
+            <a:lvl1pPr>
+              <a:defRPr>
+                <a:solidFill>
+                  <a:srgbClr val="D0CF3F"/>
+                </a:solidFill>
+              </a:defRPr>
+            </a:lvl1pPr>
+          </a:lstStyle>
+          <a:p>
+            <a:r>
+              <a:rPr lang="en-US" dirty="0"/>
+              <a:t>Click to edit Master title style</a:t>
+            </a:r>
+            <a:endParaRPr lang="LID4096" dirty="0"/>
+          </a:p>
+        </p:txBody>
+      </p:sp>
+      <p:sp>
+        <p:nvSpPr>
+          <p:cNvPr id="3" name="Content Placeholder 2">
+            <a:extLst>
+              <a:ext uri="{FF2B5EF4-FFF2-40B4-BE49-F238E27FC236}">
+                <a16:creationId xmlns:a16="http://schemas.microsoft.com/office/drawing/2014/main" id="{7A869A27-564B-45CE-9C92-A577E3EAF33F}"/>
+              </a:ext>
+            </a:extLst>
+          </p:cNvPr>
+          <p:cNvSpPr>
+            <a:spLocks noGrp="1"/>
+          </p:cNvSpPr>
+          <p:nvPr>
+            <p:ph sz="half" idx="1"/>
+          </p:nvPr>
+        </p:nvSpPr>
+        <p:spPr>
+          <a:xfrm>
+            <a:off x="838200" y="1311390"/>
+            <a:ext cx="5181600" cy="4865573"/>
+          </a:xfrm>
+        </p:spPr>
+        <p:txBody>
+          <a:bodyPr/>
+          <a:lstStyle>
+            <a:lvl1pPr>
+              <a:buClr>
+                <a:srgbClr val="D0CF3F"/>
+              </a:buClr>
+              <a:defRPr/>
+            </a:lvl1pPr>
+            <a:lvl2pPr>
+              <a:buClr>
+                <a:srgbClr val="D0CF3F"/>
+              </a:buClr>
+              <a:defRPr/>
+            </a:lvl2pPr>
+            <a:lvl3pPr>
+              <a:buClr>
+                <a:srgbClr val="D0CF3F"/>
+              </a:buClr>
+              <a:defRPr/>
+            </a:lvl3pPr>
+            <a:lvl4pPr>
+              <a:buClr>
+                <a:srgbClr val="D0CF3F"/>
+              </a:buClr>
+              <a:defRPr/>
+            </a:lvl4pPr>
+            <a:lvl5pPr>
+              <a:buClr>
+                <a:srgbClr val="D0CF3F"/>
+              </a:buClr>
+              <a:defRPr/>
+            </a:lvl5pPr>
+          </a:lstStyle>
+          <a:p>
+            <a:pPr lvl="0"/>
+            <a:r>
+              <a:rPr lang="en-US" dirty="0"/>
+              <a:t>Click to edit Master text styles</a:t>
+            </a:r>
+          </a:p>
+          <a:p>
+            <a:pPr lvl="1"/>
+            <a:r>
+              <a:rPr lang="en-US" dirty="0"/>
+              <a:t>Second level</a:t>
+            </a:r>
+          </a:p>
+          <a:p>
+            <a:pPr lvl="2"/>
+            <a:r>
+              <a:rPr lang="en-US" dirty="0"/>
+              <a:t>Third level</a:t>
+            </a:r>
+          </a:p>
+          <a:p>
+            <a:pPr lvl="3"/>
+            <a:r>
+              <a:rPr lang="en-US" dirty="0"/>
+              <a:t>Fourth level</a:t>
+            </a:r>
+          </a:p>
+          <a:p>
+            <a:pPr lvl="4"/>
+            <a:r>
+              <a:rPr lang="en-US" dirty="0"/>
+              <a:t>Fifth level</a:t>
+            </a:r>
+            <a:endParaRPr lang="LID4096" dirty="0"/>
+          </a:p>
+        </p:txBody>
+      </p:sp>
+      <p:sp>
+        <p:nvSpPr>
+          <p:cNvPr id="4" name="Content Placeholder 3">
+            <a:extLst>
+              <a:ext uri="{FF2B5EF4-FFF2-40B4-BE49-F238E27FC236}">
+                <a16:creationId xmlns:a16="http://schemas.microsoft.com/office/drawing/2014/main" id="{23FB230F-3A97-4405-9219-CB14C3304BBA}"/>
+              </a:ext>
+            </a:extLst>
+          </p:cNvPr>
+          <p:cNvSpPr>
+            <a:spLocks noGrp="1"/>
+          </p:cNvSpPr>
+          <p:nvPr>
+            <p:ph sz="half" idx="2"/>
+          </p:nvPr>
+        </p:nvSpPr>
+        <p:spPr>
+          <a:xfrm>
+            <a:off x="6172200" y="1311390"/>
+            <a:ext cx="5181600" cy="4865573"/>
+          </a:xfrm>
+        </p:spPr>
+        <p:txBody>
+          <a:bodyPr/>
+          <a:lstStyle>
+            <a:lvl1pPr>
+              <a:buClr>
+                <a:srgbClr val="D0CF3F"/>
+              </a:buClr>
+              <a:defRPr/>
+            </a:lvl1pPr>
+            <a:lvl2pPr>
+              <a:buClr>
+                <a:srgbClr val="D0CF3F"/>
+              </a:buClr>
+              <a:defRPr/>
+            </a:lvl2pPr>
+            <a:lvl3pPr>
+              <a:buClr>
+                <a:srgbClr val="D0CF3F"/>
+              </a:buClr>
+              <a:defRPr/>
+            </a:lvl3pPr>
+            <a:lvl4pPr>
+              <a:buClr>
+                <a:srgbClr val="D0CF3F"/>
+              </a:buClr>
+              <a:defRPr/>
+            </a:lvl4pPr>
+            <a:lvl5pPr>
+              <a:buClr>
+                <a:srgbClr val="D0CF3F"/>
+              </a:buClr>
+              <a:defRPr/>
+            </a:lvl5pPr>
+          </a:lstStyle>
+          <a:p>
+            <a:pPr lvl="0"/>
+            <a:r>
+              <a:rPr lang="en-US" dirty="0"/>
+              <a:t>Click to edit Master text styles</a:t>
+            </a:r>
+          </a:p>
+          <a:p>
+            <a:pPr lvl="1"/>
+            <a:r>
+              <a:rPr lang="en-US" dirty="0"/>
+              <a:t>Second level</a:t>
+            </a:r>
+          </a:p>
+          <a:p>
+            <a:pPr lvl="2"/>
+            <a:r>
+              <a:rPr lang="en-US" dirty="0"/>
+              <a:t>Third level</a:t>
+            </a:r>
+          </a:p>
+          <a:p>
+            <a:pPr lvl="3"/>
+            <a:r>
+              <a:rPr lang="en-US" dirty="0"/>
+              <a:t>Fourth level</a:t>
+            </a:r>
+          </a:p>
+          <a:p>
+            <a:pPr lvl="4"/>
+            <a:r>
+              <a:rPr lang="en-US" dirty="0"/>
+              <a:t>Fifth level</a:t>
+            </a:r>
+            <a:endParaRPr lang="LID4096" dirty="0"/>
+          </a:p>
+        </p:txBody>
+      </p:sp>
+      <p:sp>
+        <p:nvSpPr>
+          <p:cNvPr id="7" name="Slide Number Placeholder 6">
+            <a:extLst>
+              <a:ext uri="{FF2B5EF4-FFF2-40B4-BE49-F238E27FC236}">
+                <a16:creationId xmlns:a16="http://schemas.microsoft.com/office/drawing/2014/main" id="{706835C5-E0E7-45E3-80E3-3EB5EE19A594}"/>
+              </a:ext>
+            </a:extLst>
+          </p:cNvPr>
+          <p:cNvSpPr>
+            <a:spLocks noGrp="1"/>
+          </p:cNvSpPr>
+          <p:nvPr>
+            <p:ph type="sldNum" sz="quarter" idx="12"/>
+          </p:nvPr>
+        </p:nvSpPr>
+        <p:spPr/>
+        <p:txBody>
+          <a:bodyPr/>
+          <a:lstStyle/>
+          <a:p>
+            <a:fld id="{DEE17329-4100-4844-AC98-AD783D2F47EC}" type="slidenum">
+              <a:rPr lang="LID4096" smtClean="0"/>
+              <a:t>‹nr.›</a:t>
+            </a:fld>
+            <a:endParaRPr lang="LID4096"/>
+          </a:p>
+        </p:txBody>
+      </p:sp>
+      <p:pic>
+        <p:nvPicPr>
+          <p:cNvPr id="8" name="Picture 7" descr="Icon&#10;&#10;Description automatically generated">
+            <a:extLst>
+              <a:ext uri="{FF2B5EF4-FFF2-40B4-BE49-F238E27FC236}">
+                <a16:creationId xmlns:a16="http://schemas.microsoft.com/office/drawing/2014/main" id="{7A518CBB-009A-4FC7-B5B7-1AC0AA1DF846}"/>
+              </a:ext>
+            </a:extLst>
+          </p:cNvPr>
+          <p:cNvPicPr>
+            <a:picLocks noChangeAspect="1"/>
+          </p:cNvPicPr>
+          <p:nvPr userDrawn="1"/>
+        </p:nvPicPr>
+        <p:blipFill>
+          <a:blip r:embed="rId2">
+            <a:extLst>
+              <a:ext uri="{28A0092B-C50C-407E-A947-70E740481C1C}">
+                <a14:useLocalDpi xmlns:a14="http://schemas.microsoft.com/office/drawing/2010/main" val="0"/>
+              </a:ext>
+            </a:extLst>
+          </a:blip>
+          <a:stretch>
+            <a:fillRect/>
+          </a:stretch>
+        </p:blipFill>
+        <p:spPr>
+          <a:xfrm>
+            <a:off x="10766367" y="136525"/>
+            <a:ext cx="1174865" cy="1174865"/>
+          </a:xfrm>
+          <a:prstGeom prst="rect">
+            <a:avLst/>
+          </a:prstGeom>
+        </p:spPr>
+      </p:pic>
+    </p:spTree>
+    <p:extLst>
+      <p:ext uri="{BB962C8B-B14F-4D97-AF65-F5344CB8AC3E}">
+        <p14:creationId xmlns:p14="http://schemas.microsoft.com/office/powerpoint/2010/main" val="896374698"/>
+      </p:ext>
+    </p:extLst>
+  </p:cSld>
+  <p:clrMapOvr>
+    <a:masterClrMapping/>
+  </p:clrMapOvr>
+</p:sldLayout>
+</file>
+
+<file path=ppt/slideLayouts/slideLayout7.xml><?xml version="1.0" encoding="utf-8"?>
+<p:sldLayout xmlns:a="http://schemas.openxmlformats.org/drawingml/2006/main" xmlns:r="http://schemas.openxmlformats.org/officeDocument/2006/relationships" xmlns:p="http://schemas.openxmlformats.org/presentationml/2006/main" preserve="1" userDrawn="1">
+  <p:cSld name="Blank">
+    <p:spTree>
+      <p:nvGrpSpPr>
+        <p:cNvPr id="1" name=""/>
+        <p:cNvGrpSpPr/>
+        <p:nvPr/>
+      </p:nvGrpSpPr>
+      <p:grpSpPr>
+        <a:xfrm>
+          <a:off x="0" y="0"/>
+          <a:ext cx="0" cy="0"/>
+          <a:chOff x="0" y="0"/>
+          <a:chExt cx="0" cy="0"/>
+        </a:xfrm>
+      </p:grpSpPr>
+      <p:sp>
+        <p:nvSpPr>
+          <p:cNvPr id="6" name="Slide Number Placeholder 5">
+            <a:extLst>
+              <a:ext uri="{FF2B5EF4-FFF2-40B4-BE49-F238E27FC236}">
+                <a16:creationId xmlns:a16="http://schemas.microsoft.com/office/drawing/2014/main" id="{0F0E096E-9E07-4623-8BF5-970125256BB7}"/>
+              </a:ext>
+            </a:extLst>
+          </p:cNvPr>
+          <p:cNvSpPr>
+            <a:spLocks noGrp="1"/>
+          </p:cNvSpPr>
+          <p:nvPr>
+            <p:ph type="sldNum" sz="quarter" idx="12"/>
+          </p:nvPr>
+        </p:nvSpPr>
+        <p:spPr/>
+        <p:txBody>
+          <a:bodyPr/>
+          <a:lstStyle/>
+          <a:p>
+            <a:fld id="{DEE17329-4100-4844-AC98-AD783D2F47EC}" type="slidenum">
+              <a:rPr lang="LID4096" smtClean="0"/>
+              <a:t>‹nr.›</a:t>
+            </a:fld>
+            <a:endParaRPr lang="LID4096"/>
+          </a:p>
+        </p:txBody>
+      </p:sp>
+    </p:spTree>
+    <p:extLst>
+      <p:ext uri="{BB962C8B-B14F-4D97-AF65-F5344CB8AC3E}">
+        <p14:creationId xmlns:p14="http://schemas.microsoft.com/office/powerpoint/2010/main" val="3044880991"/>
+      </p:ext>
+    </p:extLst>
+  </p:cSld>
+  <p:clrMapOvr>
+    <a:masterClrMapping/>
+  </p:clrMapOvr>
+  <p:hf hdr="0" ftr="0" dt="0"/>
+</p:sldLayout>
+</file>
+
 <file path=ppt/slideMasters/slideMaster1.xml><?xml version="1.0" encoding="utf-8"?>
 <p:sldMaster xmlns:a="http://schemas.openxmlformats.org/drawingml/2006/main" xmlns:r="http://schemas.openxmlformats.org/officeDocument/2006/relationships" xmlns:p="http://schemas.openxmlformats.org/presentationml/2006/main">
   <p:cSld>
@@ -1698,7 +2813,7 @@
           <a:p>
             <a:fld id="{DEE17329-4100-4844-AC98-AD783D2F47EC}" type="slidenum">
               <a:rPr lang="LID4096" smtClean="0"/>
-              <a:t>‹#›</a:t>
+              <a:t>‹nr.›</a:t>
             </a:fld>
             <a:endParaRPr lang="LID4096"/>
           </a:p>
@@ -1768,8 +2883,12 @@
   <p:clrMap bg1="lt1" tx1="dk1" bg2="lt2" tx2="dk2" accent1="accent1" accent2="accent2" accent3="accent3" accent4="accent4" accent5="accent5" accent6="accent6" hlink="hlink" folHlink="folHlink"/>
   <p:sldLayoutIdLst>
     <p:sldLayoutId id="2147483649" r:id="rId1"/>
-    <p:sldLayoutId id="2147483650" r:id="rId2"/>
-    <p:sldLayoutId id="2147483652" r:id="rId3"/>
+    <p:sldLayoutId id="2147483654" r:id="rId2"/>
+    <p:sldLayoutId id="2147483650" r:id="rId3"/>
+    <p:sldLayoutId id="2147483652" r:id="rId4"/>
+    <p:sldLayoutId id="2147483655" r:id="rId5"/>
+    <p:sldLayoutId id="2147483656" r:id="rId6"/>
+    <p:sldLayoutId id="2147483657" r:id="rId7"/>
   </p:sldLayoutIdLst>
   <p:txStyles>
     <p:titleStyle>
@@ -2779,6 +3898,17 @@
 </file>
 
 <file path=customXml/item1.xml><?xml version="1.0" encoding="utf-8"?>
+<p:properties xmlns:p="http://schemas.microsoft.com/office/2006/metadata/properties" xmlns:xsi="http://www.w3.org/2001/XMLSchema-instance" xmlns:pc="http://schemas.microsoft.com/office/infopath/2007/PartnerControls">
+  <documentManagement>
+    <lcf76f155ced4ddcb4097134ff3c332f xmlns="7be21380-17c3-4274-bb19-9b5a3c144f7b">
+      <Terms xmlns="http://schemas.microsoft.com/office/infopath/2007/PartnerControls"/>
+    </lcf76f155ced4ddcb4097134ff3c332f>
+    <TaxCatchAll xmlns="d8da1cfc-f663-4998-9af8-a2dd286931c4" xsi:nil="true"/>
+  </documentManagement>
+</p:properties>
+</file>
+
+<file path=customXml/item2.xml><?xml version="1.0" encoding="utf-8"?>
 <ct:contentTypeSchema xmlns:ct="http://schemas.microsoft.com/office/2006/metadata/contentType" xmlns:ma="http://schemas.microsoft.com/office/2006/metadata/properties/metaAttributes" ct:_="" ma:_="" ma:contentTypeName="Document" ma:contentTypeID="0x010100E1EA297725B07345A163B88421771A63" ma:contentTypeVersion="16" ma:contentTypeDescription="Create a new document." ma:contentTypeScope="" ma:versionID="986fc31c2007afad22a22bf6aae00153">
   <xsd:schema xmlns:xsd="http://www.w3.org/2001/XMLSchema" xmlns:xs="http://www.w3.org/2001/XMLSchema" xmlns:p="http://schemas.microsoft.com/office/2006/metadata/properties" xmlns:ns2="7be21380-17c3-4274-bb19-9b5a3c144f7b" xmlns:ns3="d8da1cfc-f663-4998-9af8-a2dd286931c4" targetNamespace="http://schemas.microsoft.com/office/2006/metadata/properties" ma:root="true" ma:fieldsID="02b1f208ed3f955e5a089f9be05824da" ns2:_="" ns3:_="">
     <xsd:import namespace="7be21380-17c3-4274-bb19-9b5a3c144f7b"/>
@@ -3021,7 +4151,7 @@
 </ct:contentTypeSchema>
 </file>
 
-<file path=customXml/item2.xml><?xml version="1.0" encoding="utf-8"?>
+<file path=customXml/item3.xml><?xml version="1.0" encoding="utf-8"?>
 <?mso-contentType ?>
 <FormTemplates xmlns="http://schemas.microsoft.com/sharepoint/v3/contenttype/forms">
   <Display>DocumentLibraryForm</Display>
@@ -3030,18 +4160,18 @@
 </FormTemplates>
 </file>
 
-<file path=customXml/item3.xml><?xml version="1.0" encoding="utf-8"?>
-<p:properties xmlns:p="http://schemas.microsoft.com/office/2006/metadata/properties" xmlns:xsi="http://www.w3.org/2001/XMLSchema-instance" xmlns:pc="http://schemas.microsoft.com/office/infopath/2007/PartnerControls">
-  <documentManagement>
-    <lcf76f155ced4ddcb4097134ff3c332f xmlns="7be21380-17c3-4274-bb19-9b5a3c144f7b">
-      <Terms xmlns="http://schemas.microsoft.com/office/infopath/2007/PartnerControls"/>
-    </lcf76f155ced4ddcb4097134ff3c332f>
-    <TaxCatchAll xmlns="d8da1cfc-f663-4998-9af8-a2dd286931c4" xsi:nil="true"/>
-  </documentManagement>
-</p:properties>
+<file path=customXml/itemProps1.xml><?xml version="1.0" encoding="utf-8"?>
+<ds:datastoreItem xmlns:ds="http://schemas.openxmlformats.org/officeDocument/2006/customXml" ds:itemID="{17609F27-6A38-4026-8B86-5E5103AE1E24}">
+  <ds:schemaRefs>
+    <ds:schemaRef ds:uri="http://schemas.microsoft.com/office/2006/metadata/properties"/>
+    <ds:schemaRef ds:uri="http://schemas.microsoft.com/office/infopath/2007/PartnerControls"/>
+    <ds:schemaRef ds:uri="7be21380-17c3-4274-bb19-9b5a3c144f7b"/>
+    <ds:schemaRef ds:uri="d8da1cfc-f663-4998-9af8-a2dd286931c4"/>
+  </ds:schemaRefs>
+</ds:datastoreItem>
 </file>
 
-<file path=customXml/itemProps1.xml><?xml version="1.0" encoding="utf-8"?>
+<file path=customXml/itemProps2.xml><?xml version="1.0" encoding="utf-8"?>
 <ds:datastoreItem xmlns:ds="http://schemas.openxmlformats.org/officeDocument/2006/customXml" ds:itemID="{F6C95780-3173-4C69-9526-D8B7DF99E26E}">
   <ds:schemaRefs>
     <ds:schemaRef ds:uri="http://schemas.microsoft.com/office/2006/metadata/contentType"/>
@@ -3060,21 +4190,10 @@
 </ds:datastoreItem>
 </file>
 
-<file path=customXml/itemProps2.xml><?xml version="1.0" encoding="utf-8"?>
+<file path=customXml/itemProps3.xml><?xml version="1.0" encoding="utf-8"?>
 <ds:datastoreItem xmlns:ds="http://schemas.openxmlformats.org/officeDocument/2006/customXml" ds:itemID="{B5A1C9FA-1C85-4655-82CE-392CD460F209}">
   <ds:schemaRefs>
     <ds:schemaRef ds:uri="http://schemas.microsoft.com/sharepoint/v3/contenttype/forms"/>
   </ds:schemaRefs>
 </ds:datastoreItem>
-</file>
-
-<file path=customXml/itemProps3.xml><?xml version="1.0" encoding="utf-8"?>
-<ds:datastoreItem xmlns:ds="http://schemas.openxmlformats.org/officeDocument/2006/customXml" ds:itemID="{17609F27-6A38-4026-8B86-5E5103AE1E24}">
-  <ds:schemaRefs>
-    <ds:schemaRef ds:uri="http://schemas.microsoft.com/office/2006/metadata/properties"/>
-    <ds:schemaRef ds:uri="http://schemas.microsoft.com/office/infopath/2007/PartnerControls"/>
-    <ds:schemaRef ds:uri="7be21380-17c3-4274-bb19-9b5a3c144f7b"/>
-    <ds:schemaRef ds:uri="d8da1cfc-f663-4998-9af8-a2dd286931c4"/>
-  </ds:schemaRefs>
-</ds:datastoreItem>
 </file>